--- a/AdditionalMaterials/BookPPTs/Chap3.pptx
+++ b/AdditionalMaterials/BookPPTs/Chap3.pptx
@@ -573,7 +573,7 @@
           <a:p>
             <a:fld id="{0E6BA319-05E9-49EE-8F99-CA1240CA2757}" type="datetimeFigureOut">
               <a:rPr lang="en-US" smtClean="0"/>
-              <a:t>1/3/2022</a:t>
+              <a:t>1/11/2024</a:t>
             </a:fld>
             <a:endParaRPr lang="en-US"/>
           </a:p>
@@ -775,7 +775,7 @@
           <a:p>
             <a:fld id="{0E6BA319-05E9-49EE-8F99-CA1240CA2757}" type="datetimeFigureOut">
               <a:rPr lang="en-US" smtClean="0"/>
-              <a:t>1/3/2022</a:t>
+              <a:t>1/11/2024</a:t>
             </a:fld>
             <a:endParaRPr lang="en-US"/>
           </a:p>
@@ -1537,7 +1537,7 @@
           <a:p>
             <a:fld id="{0E6BA319-05E9-49EE-8F99-CA1240CA2757}" type="datetimeFigureOut">
               <a:rPr lang="en-US" smtClean="0"/>
-              <a:t>1/3/2022</a:t>
+              <a:t>1/11/2024</a:t>
             </a:fld>
             <a:endParaRPr lang="en-US"/>
           </a:p>
@@ -1790,7 +1790,7 @@
           <a:p>
             <a:fld id="{0E6BA319-05E9-49EE-8F99-CA1240CA2757}" type="datetimeFigureOut">
               <a:rPr lang="en-US" smtClean="0"/>
-              <a:t>1/3/2022</a:t>
+              <a:t>1/11/2024</a:t>
             </a:fld>
             <a:endParaRPr lang="en-US"/>
           </a:p>
@@ -2178,7 +2178,7 @@
           <a:p>
             <a:fld id="{0E6BA319-05E9-49EE-8F99-CA1240CA2757}" type="datetimeFigureOut">
               <a:rPr lang="en-US" smtClean="0"/>
-              <a:t>1/3/2022</a:t>
+              <a:t>1/11/2024</a:t>
             </a:fld>
             <a:endParaRPr lang="en-US"/>
           </a:p>
@@ -2319,7 +2319,7 @@
           <a:p>
             <a:fld id="{0E6BA319-05E9-49EE-8F99-CA1240CA2757}" type="datetimeFigureOut">
               <a:rPr lang="en-US" smtClean="0"/>
-              <a:t>1/3/2022</a:t>
+              <a:t>1/11/2024</a:t>
             </a:fld>
             <a:endParaRPr lang="en-US"/>
           </a:p>
@@ -2438,7 +2438,7 @@
           <a:p>
             <a:fld id="{0E6BA319-05E9-49EE-8F99-CA1240CA2757}" type="datetimeFigureOut">
               <a:rPr lang="en-US" smtClean="0"/>
-              <a:t>1/3/2022</a:t>
+              <a:t>1/11/2024</a:t>
             </a:fld>
             <a:endParaRPr lang="en-US"/>
           </a:p>
@@ -2737,7 +2737,7 @@
           <a:p>
             <a:fld id="{0E6BA319-05E9-49EE-8F99-CA1240CA2757}" type="datetimeFigureOut">
               <a:rPr lang="en-US" smtClean="0"/>
-              <a:t>1/3/2022</a:t>
+              <a:t>1/11/2024</a:t>
             </a:fld>
             <a:endParaRPr lang="en-US"/>
           </a:p>
@@ -3013,7 +3013,7 @@
           <a:p>
             <a:fld id="{0E6BA319-05E9-49EE-8F99-CA1240CA2757}" type="datetimeFigureOut">
               <a:rPr lang="en-US" smtClean="0"/>
-              <a:t>1/3/2022</a:t>
+              <a:t>1/11/2024</a:t>
             </a:fld>
             <a:endParaRPr lang="en-US"/>
           </a:p>
@@ -3969,7 +3969,7 @@
             <a:pPr lvl="2"/>
             <a:r>
               <a:rPr lang="en-US" dirty="0"/>
-              <a:t>(Multiple </a:t>
+              <a:t>(Multiply </a:t>
             </a:r>
             <a:r>
               <a:rPr lang="en-US" b="1" dirty="0"/>
